--- a/source/_posts/private/videos/miaosha/笔记.pptx
+++ b/source/_posts/private/videos/miaosha/笔记.pptx
@@ -6,6 +6,7 @@
   </p:sldMasterIdLst>
   <p:sldIdLst>
     <p:sldId id="256" r:id="rId2"/>
+    <p:sldId id="257" r:id="rId3"/>
   </p:sldIdLst>
   <p:sldSz cx="12192000" cy="6858000"/>
   <p:notesSz cx="6858000" cy="9144000"/>
@@ -3327,8 +3328,8 @@
         </p:nvSpPr>
         <p:spPr>
           <a:xfrm>
-            <a:off x="5131444" y="1266204"/>
-            <a:ext cx="2200367" cy="523220"/>
+            <a:off x="5158059" y="1184292"/>
+            <a:ext cx="2200367" cy="738664"/>
           </a:xfrm>
           <a:prstGeom prst="rect">
             <a:avLst/>
@@ -3371,6 +3372,22 @@
               <a:rPr lang="en-US" altLang="zh-CN" sz="1400" smtClean="0"/>
               <a:t>Jedis</a:t>
             </a:r>
+            <a:r>
+              <a:rPr lang="zh-CN" altLang="en-US" sz="1400" smtClean="0"/>
+              <a:t>；</a:t>
+            </a:r>
+            <a:r>
+              <a:rPr lang="en-US" altLang="zh-CN" sz="1400" smtClean="0"/>
+              <a:t>getJedis()</a:t>
+            </a:r>
+            <a:r>
+              <a:rPr lang="zh-CN" altLang="en-US" sz="1400" smtClean="0"/>
+              <a:t>里延迟初始化</a:t>
+            </a:r>
+            <a:r>
+              <a:rPr lang="en-US" altLang="zh-CN" sz="1400" smtClean="0"/>
+              <a:t>JedisPool</a:t>
+            </a:r>
             <a:endParaRPr lang="zh-CN" altLang="en-US" sz="1400"/>
           </a:p>
         </p:txBody>
@@ -3383,8 +3400,8 @@
         </p:nvSpPr>
         <p:spPr>
           <a:xfrm>
-            <a:off x="8404033" y="1266204"/>
-            <a:ext cx="2200367" cy="307777"/>
+            <a:off x="8546341" y="1368246"/>
+            <a:ext cx="1874009" cy="307777"/>
           </a:xfrm>
           <a:prstGeom prst="rect">
             <a:avLst/>
@@ -3661,6 +3678,344 @@
     <p:extLst>
       <p:ext uri="{BB962C8B-B14F-4D97-AF65-F5344CB8AC3E}">
         <p14:creationId xmlns:p14="http://schemas.microsoft.com/office/powerpoint/2010/main" val="1656748486"/>
+      </p:ext>
+    </p:extLst>
+  </p:cSld>
+  <p:clrMapOvr>
+    <a:masterClrMapping/>
+  </p:clrMapOvr>
+</p:sld>
+</file>
+
+<file path=ppt/slides/slide2.xml><?xml version="1.0" encoding="utf-8"?>
+<p:sld xmlns:a="http://schemas.openxmlformats.org/drawingml/2006/main" xmlns:r="http://schemas.openxmlformats.org/officeDocument/2006/relationships" xmlns:p="http://schemas.openxmlformats.org/presentationml/2006/main">
+  <p:cSld>
+    <p:spTree>
+      <p:nvGrpSpPr>
+        <p:cNvPr id="1" name=""/>
+        <p:cNvGrpSpPr/>
+        <p:nvPr/>
+      </p:nvGrpSpPr>
+      <p:grpSpPr>
+        <a:xfrm>
+          <a:off x="0" y="0"/>
+          <a:ext cx="0" cy="0"/>
+          <a:chOff x="0" y="0"/>
+          <a:chExt cx="0" cy="0"/>
+        </a:xfrm>
+      </p:grpSpPr>
+      <p:sp>
+        <p:nvSpPr>
+          <p:cNvPr id="2" name="文本框 1"/>
+          <p:cNvSpPr txBox="1"/>
+          <p:nvPr/>
+        </p:nvSpPr>
+        <p:spPr>
+          <a:xfrm>
+            <a:off x="2624138" y="2309813"/>
+            <a:ext cx="2995612" cy="369332"/>
+          </a:xfrm>
+          <a:prstGeom prst="rect">
+            <a:avLst/>
+          </a:prstGeom>
+          <a:gradFill>
+            <a:gsLst>
+              <a:gs pos="0">
+                <a:schemeClr val="accent1">
+                  <a:lumMod val="5000"/>
+                  <a:lumOff val="95000"/>
+                </a:schemeClr>
+              </a:gs>
+              <a:gs pos="74000">
+                <a:schemeClr val="accent1">
+                  <a:lumMod val="45000"/>
+                  <a:lumOff val="55000"/>
+                </a:schemeClr>
+              </a:gs>
+              <a:gs pos="83000">
+                <a:schemeClr val="accent1">
+                  <a:lumMod val="45000"/>
+                  <a:lumOff val="55000"/>
+                </a:schemeClr>
+              </a:gs>
+              <a:gs pos="100000">
+                <a:schemeClr val="accent1">
+                  <a:lumMod val="30000"/>
+                  <a:lumOff val="70000"/>
+                </a:schemeClr>
+              </a:gs>
+            </a:gsLst>
+            <a:lin ang="5400000" scaled="1"/>
+          </a:gradFill>
+        </p:spPr>
+        <p:txBody>
+          <a:bodyPr wrap="square" rtlCol="0">
+            <a:spAutoFit/>
+          </a:bodyPr>
+          <a:lstStyle/>
+          <a:p>
+            <a:r>
+              <a:rPr lang="zh-CN" altLang="en-US" smtClean="0"/>
+              <a:t>类名</a:t>
+            </a:r>
+            <a:r>
+              <a:rPr lang="zh-CN" altLang="en-US" b="1">
+                <a:solidFill>
+                  <a:schemeClr val="accent5"/>
+                </a:solidFill>
+              </a:rPr>
+              <a:t>：</a:t>
+            </a:r>
+            <a:r>
+              <a:rPr lang="en-US" altLang="zh-CN" smtClean="0"/>
+              <a:t>prefix</a:t>
+            </a:r>
+            <a:r>
+              <a:rPr lang="zh-CN" altLang="en-US" smtClean="0"/>
+              <a:t>（</a:t>
+            </a:r>
+            <a:r>
+              <a:rPr lang="zh-CN" altLang="en-US" b="1" smtClean="0">
+                <a:solidFill>
+                  <a:schemeClr val="accent5"/>
+                </a:solidFill>
+              </a:rPr>
+              <a:t>：</a:t>
+            </a:r>
+            <a:r>
+              <a:rPr lang="en-US" altLang="zh-CN" smtClean="0"/>
+              <a:t>id </a:t>
+            </a:r>
+            <a:r>
+              <a:rPr lang="zh-CN" altLang="en-US" smtClean="0"/>
+              <a:t>可选</a:t>
+            </a:r>
+            <a:r>
+              <a:rPr lang="zh-CN" altLang="en-US" smtClean="0"/>
+              <a:t>）</a:t>
+            </a:r>
+            <a:endParaRPr lang="zh-CN" altLang="en-US"/>
+          </a:p>
+        </p:txBody>
+      </p:sp>
+      <p:sp>
+        <p:nvSpPr>
+          <p:cNvPr id="3" name="线形标注 1(带强调线) 2"/>
+          <p:cNvSpPr/>
+          <p:nvPr/>
+        </p:nvSpPr>
+        <p:spPr>
+          <a:xfrm>
+            <a:off x="4019549" y="1666875"/>
+            <a:ext cx="790575" cy="428626"/>
+          </a:xfrm>
+          <a:prstGeom prst="accentCallout1">
+            <a:avLst>
+              <a:gd name="adj1" fmla="val 18750"/>
+              <a:gd name="adj2" fmla="val -8333"/>
+              <a:gd name="adj3" fmla="val 154722"/>
+              <a:gd name="adj4" fmla="val -44357"/>
+            </a:avLst>
+          </a:prstGeom>
+        </p:spPr>
+        <p:style>
+          <a:lnRef idx="2">
+            <a:schemeClr val="accent1">
+              <a:shade val="50000"/>
+            </a:schemeClr>
+          </a:lnRef>
+          <a:fillRef idx="1">
+            <a:schemeClr val="accent1"/>
+          </a:fillRef>
+          <a:effectRef idx="0">
+            <a:schemeClr val="accent1"/>
+          </a:effectRef>
+          <a:fontRef idx="minor">
+            <a:schemeClr val="lt1"/>
+          </a:fontRef>
+        </p:style>
+        <p:txBody>
+          <a:bodyPr rtlCol="0" anchor="ctr"/>
+          <a:lstStyle/>
+          <a:p>
+            <a:pPr algn="ctr"/>
+            <a:r>
+              <a:rPr lang="zh-CN" altLang="en-US" sz="1400" smtClean="0"/>
+              <a:t>子模块</a:t>
+            </a:r>
+            <a:endParaRPr lang="zh-CN" altLang="en-US" sz="1400"/>
+          </a:p>
+        </p:txBody>
+      </p:sp>
+      <p:sp>
+        <p:nvSpPr>
+          <p:cNvPr id="6" name="线形标注 1(带强调线) 5"/>
+          <p:cNvSpPr/>
+          <p:nvPr/>
+        </p:nvSpPr>
+        <p:spPr>
+          <a:xfrm>
+            <a:off x="1866902" y="1652587"/>
+            <a:ext cx="590550" cy="428626"/>
+          </a:xfrm>
+          <a:prstGeom prst="accentCallout1">
+            <a:avLst>
+              <a:gd name="adj1" fmla="val 62083"/>
+              <a:gd name="adj2" fmla="val 119892"/>
+              <a:gd name="adj3" fmla="val 165833"/>
+              <a:gd name="adj4" fmla="val 178602"/>
+            </a:avLst>
+          </a:prstGeom>
+        </p:spPr>
+        <p:style>
+          <a:lnRef idx="2">
+            <a:schemeClr val="accent1">
+              <a:shade val="50000"/>
+            </a:schemeClr>
+          </a:lnRef>
+          <a:fillRef idx="1">
+            <a:schemeClr val="accent1"/>
+          </a:fillRef>
+          <a:effectRef idx="0">
+            <a:schemeClr val="accent1"/>
+          </a:effectRef>
+          <a:fontRef idx="minor">
+            <a:schemeClr val="lt1"/>
+          </a:fontRef>
+        </p:style>
+        <p:txBody>
+          <a:bodyPr rtlCol="0" anchor="ctr"/>
+          <a:lstStyle/>
+          <a:p>
+            <a:pPr algn="ctr"/>
+            <a:r>
+              <a:rPr lang="zh-CN" altLang="en-US" sz="1400" smtClean="0"/>
+              <a:t>模块</a:t>
+            </a:r>
+            <a:endParaRPr lang="zh-CN" altLang="en-US" sz="1400"/>
+          </a:p>
+        </p:txBody>
+      </p:sp>
+      <p:sp>
+        <p:nvSpPr>
+          <p:cNvPr id="8" name="文本框 7"/>
+          <p:cNvSpPr txBox="1"/>
+          <p:nvPr/>
+        </p:nvSpPr>
+        <p:spPr>
+          <a:xfrm>
+            <a:off x="7253288" y="2309813"/>
+            <a:ext cx="3067050" cy="369332"/>
+          </a:xfrm>
+          <a:prstGeom prst="rect">
+            <a:avLst/>
+          </a:prstGeom>
+          <a:gradFill>
+            <a:gsLst>
+              <a:gs pos="0">
+                <a:schemeClr val="accent1">
+                  <a:lumMod val="5000"/>
+                  <a:lumOff val="95000"/>
+                </a:schemeClr>
+              </a:gs>
+              <a:gs pos="74000">
+                <a:schemeClr val="accent1">
+                  <a:lumMod val="45000"/>
+                  <a:lumOff val="55000"/>
+                </a:schemeClr>
+              </a:gs>
+              <a:gs pos="83000">
+                <a:schemeClr val="accent1">
+                  <a:lumMod val="45000"/>
+                  <a:lumOff val="55000"/>
+                </a:schemeClr>
+              </a:gs>
+              <a:gs pos="100000">
+                <a:schemeClr val="accent1">
+                  <a:lumMod val="30000"/>
+                  <a:lumOff val="70000"/>
+                </a:schemeClr>
+              </a:gs>
+            </a:gsLst>
+            <a:lin ang="5400000" scaled="1"/>
+          </a:gradFill>
+        </p:spPr>
+        <p:txBody>
+          <a:bodyPr wrap="square" rtlCol="0">
+            <a:spAutoFit/>
+          </a:bodyPr>
+          <a:lstStyle/>
+          <a:p>
+            <a:r>
+              <a:rPr lang="en-US" altLang="zh-CN" smtClean="0"/>
+              <a:t>GoodKey</a:t>
+            </a:r>
+            <a:r>
+              <a:rPr lang="zh-CN" altLang="en-US" b="1" smtClean="0">
+                <a:solidFill>
+                  <a:schemeClr val="accent5"/>
+                </a:solidFill>
+              </a:rPr>
+              <a:t>：</a:t>
+            </a:r>
+            <a:r>
+              <a:rPr lang="en-US" altLang="zh-CN" smtClean="0"/>
+              <a:t>gd</a:t>
+            </a:r>
+            <a:r>
+              <a:rPr lang="zh-CN" altLang="en-US" b="1" smtClean="0">
+                <a:solidFill>
+                  <a:schemeClr val="accent5"/>
+                </a:solidFill>
+              </a:rPr>
+              <a:t>：</a:t>
+            </a:r>
+            <a:r>
+              <a:rPr lang="en-US" altLang="zh-CN" smtClean="0"/>
+              <a:t>1</a:t>
+            </a:r>
+            <a:endParaRPr lang="zh-CN" altLang="en-US"/>
+          </a:p>
+        </p:txBody>
+      </p:sp>
+      <p:sp>
+        <p:nvSpPr>
+          <p:cNvPr id="13" name="文本框 12"/>
+          <p:cNvSpPr txBox="1"/>
+          <p:nvPr/>
+        </p:nvSpPr>
+        <p:spPr>
+          <a:xfrm>
+            <a:off x="6343650" y="2309813"/>
+            <a:ext cx="1319212" cy="369332"/>
+          </a:xfrm>
+          <a:prstGeom prst="rect">
+            <a:avLst/>
+          </a:prstGeom>
+          <a:noFill/>
+        </p:spPr>
+        <p:txBody>
+          <a:bodyPr wrap="square" rtlCol="0">
+            <a:spAutoFit/>
+          </a:bodyPr>
+          <a:lstStyle/>
+          <a:p>
+            <a:r>
+              <a:rPr lang="en-US" altLang="zh-CN" smtClean="0"/>
+              <a:t>Demo</a:t>
+            </a:r>
+            <a:r>
+              <a:rPr lang="zh-CN" altLang="en-US" smtClean="0"/>
+              <a:t>：</a:t>
+            </a:r>
+            <a:endParaRPr lang="zh-CN" altLang="en-US"/>
+          </a:p>
+        </p:txBody>
+      </p:sp>
+    </p:spTree>
+    <p:extLst>
+      <p:ext uri="{BB962C8B-B14F-4D97-AF65-F5344CB8AC3E}">
+        <p14:creationId xmlns:p14="http://schemas.microsoft.com/office/powerpoint/2010/main" val="1355660168"/>
       </p:ext>
     </p:extLst>
   </p:cSld>

--- a/source/_posts/private/videos/miaosha/笔记.pptx
+++ b/source/_posts/private/videos/miaosha/笔记.pptx
@@ -7,6 +7,7 @@
   <p:sldIdLst>
     <p:sldId id="256" r:id="rId2"/>
     <p:sldId id="257" r:id="rId3"/>
+    <p:sldId id="258" r:id="rId4"/>
   </p:sldIdLst>
   <p:sldSz cx="12192000" cy="6858000"/>
   <p:notesSz cx="6858000" cy="9144000"/>
@@ -105,6 +106,11 @@
       </a:defRPr>
     </a:lvl9pPr>
   </p:defaultTextStyle>
+  <p:extLst>
+    <p:ext uri="{EFAFB233-063F-42B5-8137-9DF3F51BA10A}">
+      <p15:sldGuideLst xmlns:p15="http://schemas.microsoft.com/office/powerpoint/2012/main"/>
+    </p:ext>
+  </p:extLst>
 </p:presentation>
 </file>
 
@@ -239,7 +245,7 @@
           <a:p>
             <a:fld id="{F7B4971B-A374-49AF-B2DB-1985AE43097D}" type="datetimeFigureOut">
               <a:rPr lang="zh-CN" altLang="en-US" smtClean="0"/>
-              <a:t>2018/12/27</a:t>
+              <a:t>2019/1/7</a:t>
             </a:fld>
             <a:endParaRPr lang="zh-CN" altLang="en-US"/>
           </a:p>
@@ -409,7 +415,7 @@
           <a:p>
             <a:fld id="{F7B4971B-A374-49AF-B2DB-1985AE43097D}" type="datetimeFigureOut">
               <a:rPr lang="zh-CN" altLang="en-US" smtClean="0"/>
-              <a:t>2018/12/27</a:t>
+              <a:t>2019/1/7</a:t>
             </a:fld>
             <a:endParaRPr lang="zh-CN" altLang="en-US"/>
           </a:p>
@@ -589,7 +595,7 @@
           <a:p>
             <a:fld id="{F7B4971B-A374-49AF-B2DB-1985AE43097D}" type="datetimeFigureOut">
               <a:rPr lang="zh-CN" altLang="en-US" smtClean="0"/>
-              <a:t>2018/12/27</a:t>
+              <a:t>2019/1/7</a:t>
             </a:fld>
             <a:endParaRPr lang="zh-CN" altLang="en-US"/>
           </a:p>
@@ -759,7 +765,7 @@
           <a:p>
             <a:fld id="{F7B4971B-A374-49AF-B2DB-1985AE43097D}" type="datetimeFigureOut">
               <a:rPr lang="zh-CN" altLang="en-US" smtClean="0"/>
-              <a:t>2018/12/27</a:t>
+              <a:t>2019/1/7</a:t>
             </a:fld>
             <a:endParaRPr lang="zh-CN" altLang="en-US"/>
           </a:p>
@@ -1005,7 +1011,7 @@
           <a:p>
             <a:fld id="{F7B4971B-A374-49AF-B2DB-1985AE43097D}" type="datetimeFigureOut">
               <a:rPr lang="zh-CN" altLang="en-US" smtClean="0"/>
-              <a:t>2018/12/27</a:t>
+              <a:t>2019/1/7</a:t>
             </a:fld>
             <a:endParaRPr lang="zh-CN" altLang="en-US"/>
           </a:p>
@@ -1237,7 +1243,7 @@
           <a:p>
             <a:fld id="{F7B4971B-A374-49AF-B2DB-1985AE43097D}" type="datetimeFigureOut">
               <a:rPr lang="zh-CN" altLang="en-US" smtClean="0"/>
-              <a:t>2018/12/27</a:t>
+              <a:t>2019/1/7</a:t>
             </a:fld>
             <a:endParaRPr lang="zh-CN" altLang="en-US"/>
           </a:p>
@@ -1604,7 +1610,7 @@
           <a:p>
             <a:fld id="{F7B4971B-A374-49AF-B2DB-1985AE43097D}" type="datetimeFigureOut">
               <a:rPr lang="zh-CN" altLang="en-US" smtClean="0"/>
-              <a:t>2018/12/27</a:t>
+              <a:t>2019/1/7</a:t>
             </a:fld>
             <a:endParaRPr lang="zh-CN" altLang="en-US"/>
           </a:p>
@@ -1722,7 +1728,7 @@
           <a:p>
             <a:fld id="{F7B4971B-A374-49AF-B2DB-1985AE43097D}" type="datetimeFigureOut">
               <a:rPr lang="zh-CN" altLang="en-US" smtClean="0"/>
-              <a:t>2018/12/27</a:t>
+              <a:t>2019/1/7</a:t>
             </a:fld>
             <a:endParaRPr lang="zh-CN" altLang="en-US"/>
           </a:p>
@@ -1817,7 +1823,7 @@
           <a:p>
             <a:fld id="{F7B4971B-A374-49AF-B2DB-1985AE43097D}" type="datetimeFigureOut">
               <a:rPr lang="zh-CN" altLang="en-US" smtClean="0"/>
-              <a:t>2018/12/27</a:t>
+              <a:t>2019/1/7</a:t>
             </a:fld>
             <a:endParaRPr lang="zh-CN" altLang="en-US"/>
           </a:p>
@@ -2094,7 +2100,7 @@
           <a:p>
             <a:fld id="{F7B4971B-A374-49AF-B2DB-1985AE43097D}" type="datetimeFigureOut">
               <a:rPr lang="zh-CN" altLang="en-US" smtClean="0"/>
-              <a:t>2018/12/27</a:t>
+              <a:t>2019/1/7</a:t>
             </a:fld>
             <a:endParaRPr lang="zh-CN" altLang="en-US"/>
           </a:p>
@@ -2347,7 +2353,7 @@
           <a:p>
             <a:fld id="{F7B4971B-A374-49AF-B2DB-1985AE43097D}" type="datetimeFigureOut">
               <a:rPr lang="zh-CN" altLang="en-US" smtClean="0"/>
-              <a:t>2018/12/27</a:t>
+              <a:t>2019/1/7</a:t>
             </a:fld>
             <a:endParaRPr lang="zh-CN" altLang="en-US"/>
           </a:p>
@@ -2560,7 +2566,7 @@
           <a:p>
             <a:fld id="{F7B4971B-A374-49AF-B2DB-1985AE43097D}" type="datetimeFigureOut">
               <a:rPr lang="zh-CN" altLang="en-US" smtClean="0"/>
-              <a:t>2018/12/27</a:t>
+              <a:t>2019/1/7</a:t>
             </a:fld>
             <a:endParaRPr lang="zh-CN" altLang="en-US"/>
           </a:p>
@@ -3788,11 +3794,7 @@
             </a:r>
             <a:r>
               <a:rPr lang="zh-CN" altLang="en-US" smtClean="0"/>
-              <a:t>可选</a:t>
-            </a:r>
-            <a:r>
-              <a:rPr lang="zh-CN" altLang="en-US" smtClean="0"/>
-              <a:t>）</a:t>
+              <a:t>可选）</a:t>
             </a:r>
             <a:endParaRPr lang="zh-CN" altLang="en-US"/>
           </a:p>
@@ -4016,6 +4018,468 @@
     <p:extLst>
       <p:ext uri="{BB962C8B-B14F-4D97-AF65-F5344CB8AC3E}">
         <p14:creationId xmlns:p14="http://schemas.microsoft.com/office/powerpoint/2010/main" val="1355660168"/>
+      </p:ext>
+    </p:extLst>
+  </p:cSld>
+  <p:clrMapOvr>
+    <a:masterClrMapping/>
+  </p:clrMapOvr>
+</p:sld>
+</file>
+
+<file path=ppt/slides/slide3.xml><?xml version="1.0" encoding="utf-8"?>
+<p:sld xmlns:a="http://schemas.openxmlformats.org/drawingml/2006/main" xmlns:r="http://schemas.openxmlformats.org/officeDocument/2006/relationships" xmlns:p="http://schemas.openxmlformats.org/presentationml/2006/main">
+  <p:cSld>
+    <p:spTree>
+      <p:nvGrpSpPr>
+        <p:cNvPr id="1" name=""/>
+        <p:cNvGrpSpPr/>
+        <p:nvPr/>
+      </p:nvGrpSpPr>
+      <p:grpSpPr>
+        <a:xfrm>
+          <a:off x="0" y="0"/>
+          <a:ext cx="0" cy="0"/>
+          <a:chOff x="0" y="0"/>
+          <a:chExt cx="0" cy="0"/>
+        </a:xfrm>
+      </p:grpSpPr>
+      <p:cxnSp>
+        <p:nvCxnSpPr>
+          <p:cNvPr id="3" name="直接连接符 2"/>
+          <p:cNvCxnSpPr/>
+          <p:nvPr/>
+        </p:nvCxnSpPr>
+        <p:spPr>
+          <a:xfrm>
+            <a:off x="4195740" y="3049458"/>
+            <a:ext cx="3276964" cy="17501"/>
+          </a:xfrm>
+          <a:prstGeom prst="line">
+            <a:avLst/>
+          </a:prstGeom>
+          <a:ln w="44450"/>
+        </p:spPr>
+        <p:style>
+          <a:lnRef idx="1">
+            <a:schemeClr val="accent1"/>
+          </a:lnRef>
+          <a:fillRef idx="0">
+            <a:schemeClr val="accent1"/>
+          </a:fillRef>
+          <a:effectRef idx="0">
+            <a:schemeClr val="accent1"/>
+          </a:effectRef>
+          <a:fontRef idx="minor">
+            <a:schemeClr val="tx1"/>
+          </a:fontRef>
+        </p:style>
+      </p:cxnSp>
+      <p:sp>
+        <p:nvSpPr>
+          <p:cNvPr id="4" name="圆角矩形 3"/>
+          <p:cNvSpPr/>
+          <p:nvPr/>
+        </p:nvSpPr>
+        <p:spPr>
+          <a:xfrm>
+            <a:off x="4652963" y="1985963"/>
+            <a:ext cx="2305050" cy="738187"/>
+          </a:xfrm>
+          <a:prstGeom prst="roundRect">
+            <a:avLst/>
+          </a:prstGeom>
+        </p:spPr>
+        <p:style>
+          <a:lnRef idx="2">
+            <a:schemeClr val="accent1">
+              <a:shade val="50000"/>
+            </a:schemeClr>
+          </a:lnRef>
+          <a:fillRef idx="1">
+            <a:schemeClr val="accent1"/>
+          </a:fillRef>
+          <a:effectRef idx="0">
+            <a:schemeClr val="accent1"/>
+          </a:effectRef>
+          <a:fontRef idx="minor">
+            <a:schemeClr val="lt1"/>
+          </a:fontRef>
+        </p:style>
+        <p:txBody>
+          <a:bodyPr rtlCol="0" anchor="ctr"/>
+          <a:lstStyle/>
+          <a:p>
+            <a:pPr algn="ctr"/>
+            <a:r>
+              <a:rPr lang="zh-CN" altLang="en-US" smtClean="0"/>
+              <a:t>客户端</a:t>
+            </a:r>
+            <a:endParaRPr lang="zh-CN" altLang="en-US"/>
+          </a:p>
+        </p:txBody>
+      </p:sp>
+      <p:sp>
+        <p:nvSpPr>
+          <p:cNvPr id="5" name="圆角矩形 4"/>
+          <p:cNvSpPr/>
+          <p:nvPr/>
+        </p:nvSpPr>
+        <p:spPr>
+          <a:xfrm>
+            <a:off x="4652962" y="3271837"/>
+            <a:ext cx="2305050" cy="738187"/>
+          </a:xfrm>
+          <a:prstGeom prst="roundRect">
+            <a:avLst/>
+          </a:prstGeom>
+        </p:spPr>
+        <p:style>
+          <a:lnRef idx="2">
+            <a:schemeClr val="accent1">
+              <a:shade val="50000"/>
+            </a:schemeClr>
+          </a:lnRef>
+          <a:fillRef idx="1">
+            <a:schemeClr val="accent1"/>
+          </a:fillRef>
+          <a:effectRef idx="0">
+            <a:schemeClr val="accent1"/>
+          </a:effectRef>
+          <a:fontRef idx="minor">
+            <a:schemeClr val="lt1"/>
+          </a:fontRef>
+        </p:style>
+        <p:txBody>
+          <a:bodyPr rtlCol="0" anchor="ctr"/>
+          <a:lstStyle/>
+          <a:p>
+            <a:pPr algn="ctr"/>
+            <a:r>
+              <a:rPr lang="zh-CN" altLang="en-US" smtClean="0"/>
+              <a:t>服务端</a:t>
+            </a:r>
+            <a:endParaRPr lang="zh-CN" altLang="en-US"/>
+          </a:p>
+        </p:txBody>
+      </p:sp>
+      <p:sp>
+        <p:nvSpPr>
+          <p:cNvPr id="6" name="下箭头 5"/>
+          <p:cNvSpPr/>
+          <p:nvPr/>
+        </p:nvSpPr>
+        <p:spPr>
+          <a:xfrm>
+            <a:off x="8558213" y="2095500"/>
+            <a:ext cx="447675" cy="953958"/>
+          </a:xfrm>
+          <a:prstGeom prst="downArrow">
+            <a:avLst/>
+          </a:prstGeom>
+        </p:spPr>
+        <p:style>
+          <a:lnRef idx="2">
+            <a:schemeClr val="accent1">
+              <a:shade val="50000"/>
+            </a:schemeClr>
+          </a:lnRef>
+          <a:fillRef idx="1">
+            <a:schemeClr val="accent1"/>
+          </a:fillRef>
+          <a:effectRef idx="0">
+            <a:schemeClr val="accent1"/>
+          </a:effectRef>
+          <a:fontRef idx="minor">
+            <a:schemeClr val="lt1"/>
+          </a:fontRef>
+        </p:style>
+        <p:txBody>
+          <a:bodyPr rtlCol="0" anchor="ctr"/>
+          <a:lstStyle/>
+          <a:p>
+            <a:pPr algn="ctr"/>
+            <a:endParaRPr lang="zh-CN" altLang="en-US"/>
+          </a:p>
+        </p:txBody>
+      </p:sp>
+      <p:sp>
+        <p:nvSpPr>
+          <p:cNvPr id="7" name="文本框 6"/>
+          <p:cNvSpPr txBox="1"/>
+          <p:nvPr/>
+        </p:nvSpPr>
+        <p:spPr>
+          <a:xfrm>
+            <a:off x="7758112" y="1616631"/>
+            <a:ext cx="2047875" cy="369332"/>
+          </a:xfrm>
+          <a:prstGeom prst="rect">
+            <a:avLst/>
+          </a:prstGeom>
+          <a:noFill/>
+        </p:spPr>
+        <p:txBody>
+          <a:bodyPr wrap="square" rtlCol="0">
+            <a:spAutoFit/>
+          </a:bodyPr>
+          <a:lstStyle/>
+          <a:p>
+            <a:r>
+              <a:rPr lang="en-US" altLang="zh-CN" smtClean="0"/>
+              <a:t>password + (</a:t>
+            </a:r>
+            <a:r>
+              <a:rPr lang="zh-CN" altLang="en-US" smtClean="0"/>
+              <a:t>固定值</a:t>
+            </a:r>
+            <a:r>
+              <a:rPr lang="en-US" altLang="zh-CN" smtClean="0"/>
+              <a:t>)</a:t>
+            </a:r>
+            <a:endParaRPr lang="zh-CN" altLang="en-US"/>
+          </a:p>
+        </p:txBody>
+      </p:sp>
+      <p:sp>
+        <p:nvSpPr>
+          <p:cNvPr id="8" name="文本框 7"/>
+          <p:cNvSpPr txBox="1"/>
+          <p:nvPr/>
+        </p:nvSpPr>
+        <p:spPr>
+          <a:xfrm>
+            <a:off x="9091272" y="2295525"/>
+            <a:ext cx="1000125" cy="369332"/>
+          </a:xfrm>
+          <a:prstGeom prst="rect">
+            <a:avLst/>
+          </a:prstGeom>
+          <a:noFill/>
+        </p:spPr>
+        <p:txBody>
+          <a:bodyPr wrap="square" rtlCol="0">
+            <a:spAutoFit/>
+          </a:bodyPr>
+          <a:lstStyle/>
+          <a:p>
+            <a:r>
+              <a:rPr lang="en-US" altLang="zh-CN" smtClean="0"/>
+              <a:t>MD5</a:t>
+            </a:r>
+            <a:endParaRPr lang="zh-CN" altLang="en-US"/>
+          </a:p>
+        </p:txBody>
+      </p:sp>
+      <p:cxnSp>
+        <p:nvCxnSpPr>
+          <p:cNvPr id="9" name="直接连接符 8"/>
+          <p:cNvCxnSpPr/>
+          <p:nvPr/>
+        </p:nvCxnSpPr>
+        <p:spPr>
+          <a:xfrm>
+            <a:off x="4243365" y="4292471"/>
+            <a:ext cx="3276964" cy="17501"/>
+          </a:xfrm>
+          <a:prstGeom prst="line">
+            <a:avLst/>
+          </a:prstGeom>
+          <a:ln w="44450"/>
+        </p:spPr>
+        <p:style>
+          <a:lnRef idx="1">
+            <a:schemeClr val="accent1"/>
+          </a:lnRef>
+          <a:fillRef idx="0">
+            <a:schemeClr val="accent1"/>
+          </a:fillRef>
+          <a:effectRef idx="0">
+            <a:schemeClr val="accent1"/>
+          </a:effectRef>
+          <a:fontRef idx="minor">
+            <a:schemeClr val="tx1"/>
+          </a:fontRef>
+        </p:style>
+      </p:cxnSp>
+      <p:sp>
+        <p:nvSpPr>
+          <p:cNvPr id="10" name="圆角矩形 9"/>
+          <p:cNvSpPr/>
+          <p:nvPr/>
+        </p:nvSpPr>
+        <p:spPr>
+          <a:xfrm>
+            <a:off x="4652963" y="4514850"/>
+            <a:ext cx="2305050" cy="738187"/>
+          </a:xfrm>
+          <a:prstGeom prst="roundRect">
+            <a:avLst/>
+          </a:prstGeom>
+        </p:spPr>
+        <p:style>
+          <a:lnRef idx="2">
+            <a:schemeClr val="accent1">
+              <a:shade val="50000"/>
+            </a:schemeClr>
+          </a:lnRef>
+          <a:fillRef idx="1">
+            <a:schemeClr val="accent1"/>
+          </a:fillRef>
+          <a:effectRef idx="0">
+            <a:schemeClr val="accent1"/>
+          </a:effectRef>
+          <a:fontRef idx="minor">
+            <a:schemeClr val="lt1"/>
+          </a:fontRef>
+        </p:style>
+        <p:txBody>
+          <a:bodyPr rtlCol="0" anchor="ctr"/>
+          <a:lstStyle/>
+          <a:p>
+            <a:pPr algn="ctr"/>
+            <a:r>
+              <a:rPr lang="zh-CN" altLang="en-US" smtClean="0"/>
+              <a:t>服务端</a:t>
+            </a:r>
+            <a:endParaRPr lang="zh-CN" altLang="en-US"/>
+          </a:p>
+        </p:txBody>
+      </p:sp>
+      <p:sp>
+        <p:nvSpPr>
+          <p:cNvPr id="11" name="下箭头 10"/>
+          <p:cNvSpPr/>
+          <p:nvPr/>
+        </p:nvSpPr>
+        <p:spPr>
+          <a:xfrm>
+            <a:off x="8558213" y="3709987"/>
+            <a:ext cx="447675" cy="953958"/>
+          </a:xfrm>
+          <a:prstGeom prst="downArrow">
+            <a:avLst/>
+          </a:prstGeom>
+        </p:spPr>
+        <p:style>
+          <a:lnRef idx="2">
+            <a:schemeClr val="accent1">
+              <a:shade val="50000"/>
+            </a:schemeClr>
+          </a:lnRef>
+          <a:fillRef idx="1">
+            <a:schemeClr val="accent1"/>
+          </a:fillRef>
+          <a:effectRef idx="0">
+            <a:schemeClr val="accent1"/>
+          </a:effectRef>
+          <a:fontRef idx="minor">
+            <a:schemeClr val="lt1"/>
+          </a:fontRef>
+        </p:style>
+        <p:txBody>
+          <a:bodyPr rtlCol="0" anchor="ctr"/>
+          <a:lstStyle/>
+          <a:p>
+            <a:pPr algn="ctr"/>
+            <a:endParaRPr lang="zh-CN" altLang="en-US"/>
+          </a:p>
+        </p:txBody>
+      </p:sp>
+      <p:sp>
+        <p:nvSpPr>
+          <p:cNvPr id="12" name="文本框 11"/>
+          <p:cNvSpPr txBox="1"/>
+          <p:nvPr/>
+        </p:nvSpPr>
+        <p:spPr>
+          <a:xfrm>
+            <a:off x="7758112" y="3231118"/>
+            <a:ext cx="2538413" cy="369332"/>
+          </a:xfrm>
+          <a:prstGeom prst="rect">
+            <a:avLst/>
+          </a:prstGeom>
+          <a:noFill/>
+        </p:spPr>
+        <p:txBody>
+          <a:bodyPr wrap="square" rtlCol="0">
+            <a:spAutoFit/>
+          </a:bodyPr>
+          <a:lstStyle/>
+          <a:p>
+            <a:r>
+              <a:rPr lang="en-US" altLang="zh-CN" smtClean="0"/>
+              <a:t>password2 + salt</a:t>
+            </a:r>
+            <a:endParaRPr lang="zh-CN" altLang="en-US"/>
+          </a:p>
+        </p:txBody>
+      </p:sp>
+      <p:sp>
+        <p:nvSpPr>
+          <p:cNvPr id="13" name="文本框 12"/>
+          <p:cNvSpPr txBox="1"/>
+          <p:nvPr/>
+        </p:nvSpPr>
+        <p:spPr>
+          <a:xfrm>
+            <a:off x="9091272" y="3910012"/>
+            <a:ext cx="1000125" cy="369332"/>
+          </a:xfrm>
+          <a:prstGeom prst="rect">
+            <a:avLst/>
+          </a:prstGeom>
+          <a:noFill/>
+        </p:spPr>
+        <p:txBody>
+          <a:bodyPr wrap="square" rtlCol="0">
+            <a:spAutoFit/>
+          </a:bodyPr>
+          <a:lstStyle/>
+          <a:p>
+            <a:r>
+              <a:rPr lang="en-US" altLang="zh-CN" smtClean="0"/>
+              <a:t>MD5</a:t>
+            </a:r>
+            <a:endParaRPr lang="zh-CN" altLang="en-US"/>
+          </a:p>
+        </p:txBody>
+      </p:sp>
+      <p:sp>
+        <p:nvSpPr>
+          <p:cNvPr id="14" name="文本框 13"/>
+          <p:cNvSpPr txBox="1"/>
+          <p:nvPr/>
+        </p:nvSpPr>
+        <p:spPr>
+          <a:xfrm>
+            <a:off x="8212931" y="4699278"/>
+            <a:ext cx="2538413" cy="369332"/>
+          </a:xfrm>
+          <a:prstGeom prst="rect">
+            <a:avLst/>
+          </a:prstGeom>
+          <a:noFill/>
+        </p:spPr>
+        <p:txBody>
+          <a:bodyPr wrap="square" rtlCol="0">
+            <a:spAutoFit/>
+          </a:bodyPr>
+          <a:lstStyle/>
+          <a:p>
+            <a:r>
+              <a:rPr lang="en-US" altLang="zh-CN" smtClean="0"/>
+              <a:t>password3</a:t>
+            </a:r>
+            <a:endParaRPr lang="zh-CN" altLang="en-US"/>
+          </a:p>
+        </p:txBody>
+      </p:sp>
+    </p:spTree>
+    <p:extLst>
+      <p:ext uri="{BB962C8B-B14F-4D97-AF65-F5344CB8AC3E}">
+        <p14:creationId xmlns:p14="http://schemas.microsoft.com/office/powerpoint/2010/main" val="143183083"/>
       </p:ext>
     </p:extLst>
   </p:cSld>

--- a/source/_posts/private/videos/miaosha/笔记.pptx
+++ b/source/_posts/private/videos/miaosha/笔记.pptx
@@ -8,6 +8,7 @@
     <p:sldId id="256" r:id="rId2"/>
     <p:sldId id="257" r:id="rId3"/>
     <p:sldId id="258" r:id="rId4"/>
+    <p:sldId id="259" r:id="rId5"/>
   </p:sldIdLst>
   <p:sldSz cx="12192000" cy="6858000"/>
   <p:notesSz cx="6858000" cy="9144000"/>
@@ -4340,7 +4341,7 @@
             <a:pPr algn="ctr"/>
             <a:r>
               <a:rPr lang="zh-CN" altLang="en-US" smtClean="0"/>
-              <a:t>服务端</a:t>
+              <a:t>数据库</a:t>
             </a:r>
             <a:endParaRPr lang="zh-CN" altLang="en-US"/>
           </a:p>
@@ -4480,6 +4481,309 @@
     <p:extLst>
       <p:ext uri="{BB962C8B-B14F-4D97-AF65-F5344CB8AC3E}">
         <p14:creationId xmlns:p14="http://schemas.microsoft.com/office/powerpoint/2010/main" val="143183083"/>
+      </p:ext>
+    </p:extLst>
+  </p:cSld>
+  <p:clrMapOvr>
+    <a:masterClrMapping/>
+  </p:clrMapOvr>
+</p:sld>
+</file>
+
+<file path=ppt/slides/slide4.xml><?xml version="1.0" encoding="utf-8"?>
+<p:sld xmlns:a="http://schemas.openxmlformats.org/drawingml/2006/main" xmlns:r="http://schemas.openxmlformats.org/officeDocument/2006/relationships" xmlns:p="http://schemas.openxmlformats.org/presentationml/2006/main">
+  <p:cSld>
+    <p:spTree>
+      <p:nvGrpSpPr>
+        <p:cNvPr id="1" name=""/>
+        <p:cNvGrpSpPr/>
+        <p:nvPr/>
+      </p:nvGrpSpPr>
+      <p:grpSpPr>
+        <a:xfrm>
+          <a:off x="0" y="0"/>
+          <a:ext cx="0" cy="0"/>
+          <a:chOff x="0" y="0"/>
+          <a:chExt cx="0" cy="0"/>
+        </a:xfrm>
+      </p:grpSpPr>
+      <p:sp>
+        <p:nvSpPr>
+          <p:cNvPr id="2" name="圆角矩形 1"/>
+          <p:cNvSpPr/>
+          <p:nvPr/>
+        </p:nvSpPr>
+        <p:spPr>
+          <a:xfrm>
+            <a:off x="1638301" y="2862261"/>
+            <a:ext cx="1833562" cy="604837"/>
+          </a:xfrm>
+          <a:prstGeom prst="roundRect">
+            <a:avLst/>
+          </a:prstGeom>
+          <a:solidFill>
+            <a:schemeClr val="accent4">
+              <a:lumMod val="60000"/>
+              <a:lumOff val="40000"/>
+            </a:schemeClr>
+          </a:solidFill>
+        </p:spPr>
+        <p:style>
+          <a:lnRef idx="2">
+            <a:schemeClr val="accent1">
+              <a:shade val="50000"/>
+            </a:schemeClr>
+          </a:lnRef>
+          <a:fillRef idx="1">
+            <a:schemeClr val="accent1"/>
+          </a:fillRef>
+          <a:effectRef idx="0">
+            <a:schemeClr val="accent1"/>
+          </a:effectRef>
+          <a:fontRef idx="minor">
+            <a:schemeClr val="lt1"/>
+          </a:fontRef>
+        </p:style>
+        <p:txBody>
+          <a:bodyPr rtlCol="0" anchor="ctr"/>
+          <a:lstStyle/>
+          <a:p>
+            <a:pPr algn="ctr"/>
+            <a:r>
+              <a:rPr lang="en-US" altLang="zh-CN"/>
+              <a:t>@IsMobile</a:t>
+            </a:r>
+            <a:endParaRPr lang="zh-CN" altLang="en-US"/>
+          </a:p>
+        </p:txBody>
+      </p:sp>
+      <p:sp>
+        <p:nvSpPr>
+          <p:cNvPr id="3" name="圆角矩形 2"/>
+          <p:cNvSpPr/>
+          <p:nvPr/>
+        </p:nvSpPr>
+        <p:spPr>
+          <a:xfrm>
+            <a:off x="5843587" y="2862261"/>
+            <a:ext cx="2390775" cy="604837"/>
+          </a:xfrm>
+          <a:prstGeom prst="roundRect">
+            <a:avLst/>
+          </a:prstGeom>
+        </p:spPr>
+        <p:style>
+          <a:lnRef idx="2">
+            <a:schemeClr val="accent1">
+              <a:shade val="50000"/>
+            </a:schemeClr>
+          </a:lnRef>
+          <a:fillRef idx="1">
+            <a:schemeClr val="accent1"/>
+          </a:fillRef>
+          <a:effectRef idx="0">
+            <a:schemeClr val="accent1"/>
+          </a:effectRef>
+          <a:fontRef idx="minor">
+            <a:schemeClr val="lt1"/>
+          </a:fontRef>
+        </p:style>
+        <p:txBody>
+          <a:bodyPr rtlCol="0" anchor="ctr"/>
+          <a:lstStyle/>
+          <a:p>
+            <a:pPr algn="ctr"/>
+            <a:r>
+              <a:rPr lang="en-US" altLang="zh-CN" smtClean="0"/>
+              <a:t>IsMobileValidator</a:t>
+            </a:r>
+            <a:endParaRPr lang="zh-CN" altLang="en-US"/>
+          </a:p>
+        </p:txBody>
+      </p:sp>
+      <p:sp>
+        <p:nvSpPr>
+          <p:cNvPr id="5" name="圆角矩形 4"/>
+          <p:cNvSpPr/>
+          <p:nvPr/>
+        </p:nvSpPr>
+        <p:spPr>
+          <a:xfrm>
+            <a:off x="8977312" y="2862261"/>
+            <a:ext cx="2390775" cy="604837"/>
+          </a:xfrm>
+          <a:prstGeom prst="roundRect">
+            <a:avLst/>
+          </a:prstGeom>
+          <a:solidFill>
+            <a:srgbClr val="DE52D4"/>
+          </a:solidFill>
+        </p:spPr>
+        <p:style>
+          <a:lnRef idx="2">
+            <a:schemeClr val="accent1">
+              <a:shade val="50000"/>
+            </a:schemeClr>
+          </a:lnRef>
+          <a:fillRef idx="1">
+            <a:schemeClr val="accent1"/>
+          </a:fillRef>
+          <a:effectRef idx="0">
+            <a:schemeClr val="accent1"/>
+          </a:effectRef>
+          <a:fontRef idx="minor">
+            <a:schemeClr val="lt1"/>
+          </a:fontRef>
+        </p:style>
+        <p:txBody>
+          <a:bodyPr rtlCol="0" anchor="ctr"/>
+          <a:lstStyle/>
+          <a:p>
+            <a:pPr algn="ctr"/>
+            <a:r>
+              <a:rPr lang="en-US" altLang="zh-CN"/>
+              <a:t>ConstraintValidator&lt;IsMobile, String&gt;</a:t>
+            </a:r>
+            <a:endParaRPr lang="zh-CN" altLang="en-US"/>
+          </a:p>
+        </p:txBody>
+      </p:sp>
+      <p:cxnSp>
+        <p:nvCxnSpPr>
+          <p:cNvPr id="7" name="直接箭头连接符 6"/>
+          <p:cNvCxnSpPr>
+            <a:stCxn id="2" idx="3"/>
+            <a:endCxn id="3" idx="1"/>
+          </p:cNvCxnSpPr>
+          <p:nvPr/>
+        </p:nvCxnSpPr>
+        <p:spPr>
+          <a:xfrm>
+            <a:off x="3471863" y="3164680"/>
+            <a:ext cx="2371724" cy="0"/>
+          </a:xfrm>
+          <a:prstGeom prst="straightConnector1">
+            <a:avLst/>
+          </a:prstGeom>
+          <a:ln w="31750">
+            <a:tailEnd type="triangle"/>
+          </a:ln>
+        </p:spPr>
+        <p:style>
+          <a:lnRef idx="1">
+            <a:schemeClr val="accent1"/>
+          </a:lnRef>
+          <a:fillRef idx="0">
+            <a:schemeClr val="accent1"/>
+          </a:fillRef>
+          <a:effectRef idx="0">
+            <a:schemeClr val="accent1"/>
+          </a:effectRef>
+          <a:fontRef idx="minor">
+            <a:schemeClr val="tx1"/>
+          </a:fontRef>
+        </p:style>
+      </p:cxnSp>
+      <p:sp>
+        <p:nvSpPr>
+          <p:cNvPr id="8" name="文本框 7"/>
+          <p:cNvSpPr txBox="1"/>
+          <p:nvPr/>
+        </p:nvSpPr>
+        <p:spPr>
+          <a:xfrm>
+            <a:off x="3312319" y="2215930"/>
+            <a:ext cx="2690812" cy="646331"/>
+          </a:xfrm>
+          <a:prstGeom prst="rect">
+            <a:avLst/>
+          </a:prstGeom>
+          <a:noFill/>
+        </p:spPr>
+        <p:txBody>
+          <a:bodyPr wrap="square" rtlCol="0">
+            <a:spAutoFit/>
+          </a:bodyPr>
+          <a:lstStyle/>
+          <a:p>
+            <a:r>
+              <a:rPr lang="en-US" altLang="zh-CN"/>
+              <a:t>@Constraint(validatedBy = {IsMobileValidator.class })</a:t>
+            </a:r>
+            <a:endParaRPr lang="zh-CN" altLang="en-US"/>
+          </a:p>
+        </p:txBody>
+      </p:sp>
+      <p:cxnSp>
+        <p:nvCxnSpPr>
+          <p:cNvPr id="10" name="直接箭头连接符 9"/>
+          <p:cNvCxnSpPr>
+            <a:stCxn id="3" idx="3"/>
+            <a:endCxn id="5" idx="1"/>
+          </p:cNvCxnSpPr>
+          <p:nvPr/>
+        </p:nvCxnSpPr>
+        <p:spPr>
+          <a:xfrm>
+            <a:off x="8234362" y="3164680"/>
+            <a:ext cx="742950" cy="0"/>
+          </a:xfrm>
+          <a:prstGeom prst="straightConnector1">
+            <a:avLst/>
+          </a:prstGeom>
+          <a:ln w="19050">
+            <a:tailEnd type="triangle"/>
+          </a:ln>
+        </p:spPr>
+        <p:style>
+          <a:lnRef idx="1">
+            <a:schemeClr val="accent1"/>
+          </a:lnRef>
+          <a:fillRef idx="0">
+            <a:schemeClr val="accent1"/>
+          </a:fillRef>
+          <a:effectRef idx="0">
+            <a:schemeClr val="accent1"/>
+          </a:effectRef>
+          <a:fontRef idx="minor">
+            <a:schemeClr val="tx1"/>
+          </a:fontRef>
+        </p:style>
+      </p:cxnSp>
+      <p:sp>
+        <p:nvSpPr>
+          <p:cNvPr id="11" name="文本框 10"/>
+          <p:cNvSpPr txBox="1"/>
+          <p:nvPr/>
+        </p:nvSpPr>
+        <p:spPr>
+          <a:xfrm>
+            <a:off x="7948612" y="2424112"/>
+            <a:ext cx="1724025" cy="369332"/>
+          </a:xfrm>
+          <a:prstGeom prst="rect">
+            <a:avLst/>
+          </a:prstGeom>
+          <a:noFill/>
+        </p:spPr>
+        <p:txBody>
+          <a:bodyPr wrap="square" rtlCol="0">
+            <a:spAutoFit/>
+          </a:bodyPr>
+          <a:lstStyle/>
+          <a:p>
+            <a:r>
+              <a:rPr lang="en-US" altLang="zh-CN" smtClean="0"/>
+              <a:t>implments</a:t>
+            </a:r>
+            <a:endParaRPr lang="zh-CN" altLang="en-US"/>
+          </a:p>
+        </p:txBody>
+      </p:sp>
+    </p:spTree>
+    <p:extLst>
+      <p:ext uri="{BB962C8B-B14F-4D97-AF65-F5344CB8AC3E}">
+        <p14:creationId xmlns:p14="http://schemas.microsoft.com/office/powerpoint/2010/main" val="3533802893"/>
       </p:ext>
     </p:extLst>
   </p:cSld>

--- a/source/_posts/private/videos/miaosha/笔记.pptx
+++ b/source/_posts/private/videos/miaosha/笔记.pptx
@@ -4773,8 +4773,8 @@
           <a:lstStyle/>
           <a:p>
             <a:r>
-              <a:rPr lang="en-US" altLang="zh-CN" smtClean="0"/>
-              <a:t>implments</a:t>
+              <a:rPr lang="en-US" altLang="zh-CN"/>
+              <a:t>implements</a:t>
             </a:r>
             <a:endParaRPr lang="zh-CN" altLang="en-US"/>
           </a:p>
